--- a/ppt/SBR.pptx
+++ b/ppt/SBR.pptx
@@ -7259,7 +7259,7 @@
             </a:br>
             <a:r>
               <a:rPr lang="hr-HR" sz="2400" dirty="0"/>
-              <a:t>2. Odabir inicijalnog redoslijeda posječivanja stanica </a:t>
+              <a:t>2. Odabir inicijalnog redoslijeda posjećivanja stanica </a:t>
             </a:r>
             <a:br>
               <a:rPr lang="hr-HR" sz="2400" dirty="0"/>
@@ -7365,7 +7365,7 @@
           <a:p>
             <a:r>
               <a:rPr lang="hr-HR" sz="3600" dirty="0"/>
-              <a:t>Lokalno permutiranje redoslijeda posječivanja stanica</a:t>
+              <a:t>Lokalno permutiranje redoslijeda posjećivanja stanica</a:t>
             </a:r>
           </a:p>
         </p:txBody>
@@ -7468,7 +7468,7 @@
             </a:br>
             <a:r>
               <a:rPr lang="hr-HR" sz="2400" dirty="0"/>
-              <a:t>2. Odabir inicijalnog redoslijeda posječivanja stanica </a:t>
+              <a:t>2. Odabir inicijalnog redoslijeda posjećivanja stanica </a:t>
             </a:r>
             <a:br>
               <a:rPr lang="hr-HR" sz="2400" dirty="0"/>
@@ -7581,7 +7581,7 @@
             <a:pPr lvl="1"/>
             <a:r>
               <a:rPr lang="hr-HR" sz="2800" dirty="0"/>
-              <a:t>Redoslijed posječivanja stanica</a:t>
+              <a:t>Redoslijed posjećivanja stanica</a:t>
             </a:r>
           </a:p>
           <a:p>
@@ -8007,7 +8007,7 @@
           <a:lstStyle/>
           <a:p>
             <a:r>
-              <a:rPr lang="hr-HR" sz="2400" dirty="0">
+              <a:rPr lang="hr-HR" sz="2800" dirty="0">
                 <a:solidFill>
                   <a:srgbClr val="FF0000"/>
                 </a:solidFill>
@@ -8018,10 +8018,10 @@
           <a:p>
             <a:pPr lvl="1"/>
             <a:r>
-              <a:rPr lang="hr-HR" sz="2000" dirty="0"/>
+              <a:rPr lang="hr-HR" sz="2800" dirty="0"/>
               <a:t>inače isti bus vjerojatno ne može posjetiti prvu i zadnju stanicu</a:t>
             </a:r>
-            <a:endParaRPr lang="hr-HR" sz="2200" dirty="0">
+            <a:endParaRPr lang="hr-HR" sz="2800" dirty="0">
               <a:solidFill>
                 <a:srgbClr val="FF0000"/>
               </a:solidFill>
@@ -8029,7 +8029,7 @@
           </a:p>
           <a:p>
             <a:r>
-              <a:rPr lang="hr-HR" sz="2400" dirty="0">
+              <a:rPr lang="hr-HR" sz="2800" dirty="0">
                 <a:solidFill>
                   <a:srgbClr val="FF0000"/>
                 </a:solidFill>
@@ -8040,8 +8040,8 @@
           <a:p>
             <a:pPr lvl="1"/>
             <a:r>
-              <a:rPr lang="hr-HR" sz="2400" dirty="0"/>
-              <a:t>AKO BROJ NEPOPUNJENIH STANICA MANJI OD 12 -&gt; ISPROBAJ SVE PERMUTACIJE REDOSLIJEDA POSJEČIVANJA</a:t>
+              <a:rPr lang="hr-HR" sz="2800" dirty="0"/>
+              <a:t>AKO BROJ NEPOPUNJENIH STANICA MANJI OD 12 -&gt; ISPROBAJ SVE PERMUTACIJE REDOSLIJEDA POSJEćIVANJA</a:t>
             </a:r>
           </a:p>
         </p:txBody>
@@ -9597,7 +9597,7 @@
             </a:br>
             <a:r>
               <a:rPr lang="hr-HR" sz="2400" dirty="0"/>
-              <a:t>2. Odabir inicijalnog redoslijeda posječivanja stanica </a:t>
+              <a:t>2. Odabir inicijalnog redoslijeda posjećivanja stanica </a:t>
             </a:r>
             <a:br>
               <a:rPr lang="hr-HR" sz="2400" dirty="0"/>
@@ -9718,7 +9718,7 @@
             </a:br>
             <a:r>
               <a:rPr lang="hr-HR" sz="2400" dirty="0"/>
-              <a:t>2. Odabir inicijalnog redoslijeda posječivanja stanica </a:t>
+              <a:t>2. Odabir inicijalnog redoslijeda posjećivanja stanica </a:t>
             </a:r>
             <a:br>
               <a:rPr lang="hr-HR" sz="2400" dirty="0"/>
@@ -10117,7 +10117,7 @@
                   <a:srgbClr val="FF0000"/>
                 </a:solidFill>
               </a:rPr>
-              <a:t>2. Odabir inicijalnog redoslijeda posječivanja stanica </a:t>
+              <a:t>2. Odabir inicijalnog redoslijeda posjećivanja stanica </a:t>
             </a:r>
             <a:br>
               <a:rPr lang="hr-HR" sz="2400" dirty="0"/>
@@ -10189,7 +10189,7 @@
           <a:p>
             <a:r>
               <a:rPr lang="hr-HR" dirty="0"/>
-              <a:t>2. Odabir inicijalnog redoslijeda posječivanja stanica</a:t>
+              <a:t>2. Odabir inicijalnog redoslijeda posjećivanja stanica</a:t>
             </a:r>
           </a:p>
         </p:txBody>
@@ -10251,7 +10251,7 @@
                   <a:srgbClr val="FF0000"/>
                 </a:solidFill>
               </a:rPr>
-              <a:t>Redoslijed posječivanja stanica</a:t>
+              <a:t>Redoslijed posjećivanja stanica</a:t>
             </a:r>
           </a:p>
         </p:txBody>
